--- a/Database Administrator/Module4-Data Sources and Databases/4.5-Data Security Safeguarding Against Threat(2th-4p)/Data Security.pptx
+++ b/Database Administrator/Module4-Data Sources and Databases/4.5-Data Security Safeguarding Against Threat(2th-4p)/Data Security.pptx
@@ -177,14 +177,6 @@
           <pc:sldMk cId="1248854694" sldId="262"/>
         </pc:sldMkLst>
         <pc:spChg chg="mod">
-          <ac:chgData name="Krishna Kant Dubey" userId="cd28fa1e1902c48d" providerId="LiveId" clId="{FBF00799-624A-465B-9741-232D1B418C6C}" dt="2025-08-04T12:13:57.474" v="55" actId="14100"/>
-          <ac:spMkLst>
-            <pc:docMk/>
-            <pc:sldMk cId="1248854694" sldId="262"/>
-            <ac:spMk id="4" creationId="{2DC93587-953D-FBE6-A4B6-5060E75B821F}"/>
-          </ac:spMkLst>
-        </pc:spChg>
-        <pc:spChg chg="mod">
           <ac:chgData name="Krishna Kant Dubey" userId="cd28fa1e1902c48d" providerId="LiveId" clId="{FBF00799-624A-465B-9741-232D1B418C6C}" dt="2025-08-04T12:16:00.525" v="63" actId="207"/>
           <ac:spMkLst>
             <pc:docMk/>
@@ -273,22 +265,6 @@
           <pc:docMk/>
           <pc:sldMk cId="683079510" sldId="266"/>
         </pc:sldMkLst>
-        <pc:spChg chg="mod">
-          <ac:chgData name="Krishna Kant Dubey" userId="cd28fa1e1902c48d" providerId="LiveId" clId="{FBF00799-624A-465B-9741-232D1B418C6C}" dt="2025-08-04T12:31:35.298" v="82" actId="207"/>
-          <ac:spMkLst>
-            <pc:docMk/>
-            <pc:sldMk cId="683079510" sldId="266"/>
-            <ac:spMk id="4" creationId="{BFC36A6F-8ECC-DBEC-D2B5-859C81C52A79}"/>
-          </ac:spMkLst>
-        </pc:spChg>
-        <pc:spChg chg="mod">
-          <ac:chgData name="Krishna Kant Dubey" userId="cd28fa1e1902c48d" providerId="LiveId" clId="{FBF00799-624A-465B-9741-232D1B418C6C}" dt="2025-08-04T12:28:53.575" v="79" actId="113"/>
-          <ac:spMkLst>
-            <pc:docMk/>
-            <pc:sldMk cId="683079510" sldId="266"/>
-            <ac:spMk id="12" creationId="{89F74BDC-5767-C934-24C4-C19928184E94}"/>
-          </ac:spMkLst>
-        </pc:spChg>
       </pc:sldChg>
       <pc:sldChg chg="del">
         <pc:chgData name="Krishna Kant Dubey" userId="cd28fa1e1902c48d" providerId="LiveId" clId="{FBF00799-624A-465B-9741-232D1B418C6C}" dt="2025-08-04T12:16:49.687" v="67" actId="2696"/>
@@ -358,7 +334,7 @@
   <pc:docChgLst>
     <pc:chgData name="Krishna Kant Dubey" userId="cd28fa1e1902c48d" providerId="LiveId" clId="{C25965B4-467B-42C7-B490-FA5BBB9C96E3}"/>
     <pc:docChg chg="undo redo custSel addSld delSld modSld sldOrd">
-      <pc:chgData name="Krishna Kant Dubey" userId="cd28fa1e1902c48d" providerId="LiveId" clId="{C25965B4-467B-42C7-B490-FA5BBB9C96E3}" dt="2025-08-05T13:53:48.959" v="474" actId="108"/>
+      <pc:chgData name="Krishna Kant Dubey" userId="cd28fa1e1902c48d" providerId="LiveId" clId="{C25965B4-467B-42C7-B490-FA5BBB9C96E3}" dt="2025-08-11T06:11:02.646" v="475"/>
       <pc:docMkLst>
         <pc:docMk/>
       </pc:docMkLst>
@@ -376,6 +352,21 @@
             <ac:spMk id="12" creationId="{941B6D05-14FE-733C-BADE-E07A8CDD1589}"/>
           </ac:spMkLst>
         </pc:spChg>
+      </pc:sldChg>
+      <pc:sldChg chg="addSp modSp">
+        <pc:chgData name="Krishna Kant Dubey" userId="cd28fa1e1902c48d" providerId="LiveId" clId="{C25965B4-467B-42C7-B490-FA5BBB9C96E3}" dt="2025-08-11T06:11:02.646" v="475"/>
+        <pc:sldMkLst>
+          <pc:docMk/>
+          <pc:sldMk cId="2381247086" sldId="257"/>
+        </pc:sldMkLst>
+        <pc:picChg chg="add mod">
+          <ac:chgData name="Krishna Kant Dubey" userId="cd28fa1e1902c48d" providerId="LiveId" clId="{C25965B4-467B-42C7-B490-FA5BBB9C96E3}" dt="2025-08-11T06:11:02.646" v="475"/>
+          <ac:picMkLst>
+            <pc:docMk/>
+            <pc:sldMk cId="2381247086" sldId="257"/>
+            <ac:picMk id="3" creationId="{49D86A38-3EE8-3EE8-6AF2-C0DB66DB3443}"/>
+          </ac:picMkLst>
+        </pc:picChg>
       </pc:sldChg>
       <pc:sldChg chg="modSp mod">
         <pc:chgData name="Krishna Kant Dubey" userId="cd28fa1e1902c48d" providerId="LiveId" clId="{C25965B4-467B-42C7-B490-FA5BBB9C96E3}" dt="2025-08-05T13:43:00.197" v="314" actId="113"/>
@@ -406,14 +397,6 @@
             <ac:spMk id="2" creationId="{8FB604A4-D687-2C4C-32B9-200BFDD9E2B7}"/>
           </ac:spMkLst>
         </pc:spChg>
-        <pc:spChg chg="add mod">
-          <ac:chgData name="Krishna Kant Dubey" userId="cd28fa1e1902c48d" providerId="LiveId" clId="{C25965B4-467B-42C7-B490-FA5BBB9C96E3}" dt="2025-08-05T12:05:42.974" v="35"/>
-          <ac:spMkLst>
-            <pc:docMk/>
-            <pc:sldMk cId="1248854694" sldId="262"/>
-            <ac:spMk id="4" creationId="{62BFE4CD-A619-B7DF-0120-03F6090747B8}"/>
-          </ac:spMkLst>
-        </pc:spChg>
         <pc:spChg chg="mod">
           <ac:chgData name="Krishna Kant Dubey" userId="cd28fa1e1902c48d" providerId="LiveId" clId="{C25965B4-467B-42C7-B490-FA5BBB9C96E3}" dt="2025-08-05T12:06:30.471" v="39" actId="20577"/>
           <ac:spMkLst>
@@ -422,14 +405,6 @@
             <ac:spMk id="12" creationId="{5AF4F4BF-6716-49E6-9582-E583D0D30CE3}"/>
           </ac:spMkLst>
         </pc:spChg>
-        <pc:graphicFrameChg chg="add mod">
-          <ac:chgData name="Krishna Kant Dubey" userId="cd28fa1e1902c48d" providerId="LiveId" clId="{C25965B4-467B-42C7-B490-FA5BBB9C96E3}" dt="2025-08-05T12:05:41.359" v="34"/>
-          <ac:graphicFrameMkLst>
-            <pc:docMk/>
-            <pc:sldMk cId="1248854694" sldId="262"/>
-            <ac:graphicFrameMk id="3" creationId="{84D298CD-5C65-1B27-E98E-ADDA52E78F89}"/>
-          </ac:graphicFrameMkLst>
-        </pc:graphicFrameChg>
       </pc:sldChg>
       <pc:sldChg chg="modSp mod">
         <pc:chgData name="Krishna Kant Dubey" userId="cd28fa1e1902c48d" providerId="LiveId" clId="{C25965B4-467B-42C7-B490-FA5BBB9C96E3}" dt="2025-08-05T13:47:00.733" v="435" actId="20577"/>
@@ -621,14 +596,6 @@
             <ac:spMk id="2" creationId="{8FB604A4-D687-2C4C-32B9-200BFDD9E2B7}"/>
           </ac:spMkLst>
         </pc:spChg>
-        <pc:spChg chg="del">
-          <ac:chgData name="Krishna Kant Dubey" userId="cd28fa1e1902c48d" providerId="LiveId" clId="{2D1B2E79-9D7A-4EB1-808D-37486EEE87D0}" dt="2025-08-05T11:26:46.909" v="36"/>
-          <ac:spMkLst>
-            <pc:docMk/>
-            <pc:sldMk cId="1248854694" sldId="262"/>
-            <ac:spMk id="4" creationId="{2DC93587-953D-FBE6-A4B6-5060E75B821F}"/>
-          </ac:spMkLst>
-        </pc:spChg>
         <pc:spChg chg="mod">
           <ac:chgData name="Krishna Kant Dubey" userId="cd28fa1e1902c48d" providerId="LiveId" clId="{2D1B2E79-9D7A-4EB1-808D-37486EEE87D0}" dt="2025-08-05T11:28:44.776" v="106" actId="20577"/>
           <ac:spMkLst>
@@ -644,22 +611,6 @@
           <pc:docMk/>
           <pc:sldMk cId="2660052111" sldId="263"/>
         </pc:sldMkLst>
-        <pc:spChg chg="add">
-          <ac:chgData name="Krishna Kant Dubey" userId="cd28fa1e1902c48d" providerId="LiveId" clId="{2D1B2E79-9D7A-4EB1-808D-37486EEE87D0}" dt="2025-08-05T11:31:42.753" v="131"/>
-          <ac:spMkLst>
-            <pc:docMk/>
-            <pc:sldMk cId="2660052111" sldId="263"/>
-            <ac:spMk id="2" creationId="{E7A91893-D27F-ED38-FB22-8A10C5E57223}"/>
-          </ac:spMkLst>
-        </pc:spChg>
-        <pc:spChg chg="add mod">
-          <ac:chgData name="Krishna Kant Dubey" userId="cd28fa1e1902c48d" providerId="LiveId" clId="{2D1B2E79-9D7A-4EB1-808D-37486EEE87D0}" dt="2025-08-05T11:31:53.002" v="132"/>
-          <ac:spMkLst>
-            <pc:docMk/>
-            <pc:sldMk cId="2660052111" sldId="263"/>
-            <ac:spMk id="3" creationId="{188A89B7-335B-A082-F56B-8FD99F86CC90}"/>
-          </ac:spMkLst>
-        </pc:spChg>
         <pc:spChg chg="mod">
           <ac:chgData name="Krishna Kant Dubey" userId="cd28fa1e1902c48d" providerId="LiveId" clId="{2D1B2E79-9D7A-4EB1-808D-37486EEE87D0}" dt="2025-08-05T11:32:13.866" v="135" actId="207"/>
           <ac:spMkLst>
@@ -729,22 +680,6 @@
           <pc:docMk/>
           <pc:sldMk cId="683079510" sldId="266"/>
         </pc:sldMkLst>
-        <pc:spChg chg="mod">
-          <ac:chgData name="Krishna Kant Dubey" userId="cd28fa1e1902c48d" providerId="LiveId" clId="{2D1B2E79-9D7A-4EB1-808D-37486EEE87D0}" dt="2025-08-05T11:37:59.725" v="166" actId="207"/>
-          <ac:spMkLst>
-            <pc:docMk/>
-            <pc:sldMk cId="683079510" sldId="266"/>
-            <ac:spMk id="4" creationId="{BFC36A6F-8ECC-DBEC-D2B5-859C81C52A79}"/>
-          </ac:spMkLst>
-        </pc:spChg>
-        <pc:spChg chg="mod">
-          <ac:chgData name="Krishna Kant Dubey" userId="cd28fa1e1902c48d" providerId="LiveId" clId="{2D1B2E79-9D7A-4EB1-808D-37486EEE87D0}" dt="2025-08-05T11:25:46.432" v="35" actId="207"/>
-          <ac:spMkLst>
-            <pc:docMk/>
-            <pc:sldMk cId="683079510" sldId="266"/>
-            <ac:spMk id="12" creationId="{89F74BDC-5767-C934-24C4-C19928184E94}"/>
-          </ac:spMkLst>
-        </pc:spChg>
       </pc:sldChg>
     </pc:docChg>
   </pc:docChgLst>
@@ -871,14 +806,6 @@
           <pc:docMk/>
           <pc:sldMk cId="2659771405" sldId="267"/>
         </pc:sldMkLst>
-        <pc:spChg chg="mod">
-          <ac:chgData name="Krishna Kant Dubey" userId="cd28fa1e1902c48d" providerId="LiveId" clId="{D66E7EAC-AE87-492A-9EF6-5392BE37986D}" dt="2025-08-04T06:55:02.754" v="245" actId="207"/>
-          <ac:spMkLst>
-            <pc:docMk/>
-            <pc:sldMk cId="2659771405" sldId="267"/>
-            <ac:spMk id="4" creationId="{12C8A908-A7AA-70B5-4913-8527B9393A53}"/>
-          </ac:spMkLst>
-        </pc:spChg>
       </pc:sldChg>
       <pc:sldChg chg="modSp add mod">
         <pc:chgData name="Krishna Kant Dubey" userId="cd28fa1e1902c48d" providerId="LiveId" clId="{D66E7EAC-AE87-492A-9EF6-5392BE37986D}" dt="2025-08-04T06:56:36.906" v="261" actId="207"/>
@@ -886,22 +813,6 @@
           <pc:docMk/>
           <pc:sldMk cId="2252517691" sldId="268"/>
         </pc:sldMkLst>
-        <pc:spChg chg="mod">
-          <ac:chgData name="Krishna Kant Dubey" userId="cd28fa1e1902c48d" providerId="LiveId" clId="{D66E7EAC-AE87-492A-9EF6-5392BE37986D}" dt="2025-08-04T06:56:36.906" v="261" actId="207"/>
-          <ac:spMkLst>
-            <pc:docMk/>
-            <pc:sldMk cId="2252517691" sldId="268"/>
-            <ac:spMk id="4" creationId="{3CF8B775-2F0E-E6B4-EFF2-1047805F589E}"/>
-          </ac:spMkLst>
-        </pc:spChg>
-        <pc:spChg chg="mod">
-          <ac:chgData name="Krishna Kant Dubey" userId="cd28fa1e1902c48d" providerId="LiveId" clId="{D66E7EAC-AE87-492A-9EF6-5392BE37986D}" dt="2025-08-04T06:55:34.875" v="248" actId="207"/>
-          <ac:spMkLst>
-            <pc:docMk/>
-            <pc:sldMk cId="2252517691" sldId="268"/>
-            <ac:spMk id="12" creationId="{5189F8FC-E8EC-A68A-BE46-41752A8FF22C}"/>
-          </ac:spMkLst>
-        </pc:spChg>
       </pc:sldChg>
       <pc:sldChg chg="modSp add del mod">
         <pc:chgData name="Krishna Kant Dubey" userId="cd28fa1e1902c48d" providerId="LiveId" clId="{D66E7EAC-AE87-492A-9EF6-5392BE37986D}" dt="2025-08-04T06:57:36.604" v="262" actId="2696"/>
@@ -923,14 +834,6 @@
           <pc:docMk/>
           <pc:sldMk cId="1653630643" sldId="271"/>
         </pc:sldMkLst>
-        <pc:spChg chg="mod">
-          <ac:chgData name="Krishna Kant Dubey" userId="cd28fa1e1902c48d" providerId="LiveId" clId="{D66E7EAC-AE87-492A-9EF6-5392BE37986D}" dt="2025-08-04T07:03:36.473" v="269" actId="207"/>
-          <ac:spMkLst>
-            <pc:docMk/>
-            <pc:sldMk cId="1653630643" sldId="271"/>
-            <ac:spMk id="4" creationId="{EE673039-EDD5-D9E2-E6D5-47BEC4058745}"/>
-          </ac:spMkLst>
-        </pc:spChg>
       </pc:sldChg>
       <pc:sldChg chg="add del">
         <pc:chgData name="Krishna Kant Dubey" userId="cd28fa1e1902c48d" providerId="LiveId" clId="{D66E7EAC-AE87-492A-9EF6-5392BE37986D}" dt="2025-07-30T12:58:20.095" v="160" actId="2696"/>
@@ -959,22 +862,6 @@
           <pc:docMk/>
           <pc:sldMk cId="2883240827" sldId="275"/>
         </pc:sldMkLst>
-        <pc:spChg chg="del">
-          <ac:chgData name="Krishna Kant Dubey" userId="cd28fa1e1902c48d" providerId="LiveId" clId="{D66E7EAC-AE87-492A-9EF6-5392BE37986D}" dt="2025-08-04T07:04:23.313" v="270" actId="22"/>
-          <ac:spMkLst>
-            <pc:docMk/>
-            <pc:sldMk cId="2883240827" sldId="275"/>
-            <ac:spMk id="4" creationId="{618BA10D-079A-F9CD-5800-15CFAE690090}"/>
-          </ac:spMkLst>
-        </pc:spChg>
-        <pc:picChg chg="add mod ord">
-          <ac:chgData name="Krishna Kant Dubey" userId="cd28fa1e1902c48d" providerId="LiveId" clId="{D66E7EAC-AE87-492A-9EF6-5392BE37986D}" dt="2025-08-04T07:04:23.313" v="270" actId="22"/>
-          <ac:picMkLst>
-            <pc:docMk/>
-            <pc:sldMk cId="2883240827" sldId="275"/>
-            <ac:picMk id="3" creationId="{4FE5FBF3-D7FA-1FB1-E04D-CF286B4885D7}"/>
-          </ac:picMkLst>
-        </pc:picChg>
       </pc:sldChg>
       <pc:sldChg chg="modSp add mod">
         <pc:chgData name="Krishna Kant Dubey" userId="cd28fa1e1902c48d" providerId="LiveId" clId="{D66E7EAC-AE87-492A-9EF6-5392BE37986D}" dt="2025-08-04T07:05:04.542" v="275" actId="207"/>
@@ -982,14 +869,6 @@
           <pc:docMk/>
           <pc:sldMk cId="2753172050" sldId="276"/>
         </pc:sldMkLst>
-        <pc:spChg chg="mod">
-          <ac:chgData name="Krishna Kant Dubey" userId="cd28fa1e1902c48d" providerId="LiveId" clId="{D66E7EAC-AE87-492A-9EF6-5392BE37986D}" dt="2025-08-04T07:05:04.542" v="275" actId="207"/>
-          <ac:spMkLst>
-            <pc:docMk/>
-            <pc:sldMk cId="2753172050" sldId="276"/>
-            <ac:spMk id="4" creationId="{4E22CC6A-F585-A74A-63D8-9507D7F62EA6}"/>
-          </ac:spMkLst>
-        </pc:spChg>
       </pc:sldChg>
       <pc:sldChg chg="modSp add mod">
         <pc:chgData name="Krishna Kant Dubey" userId="cd28fa1e1902c48d" providerId="LiveId" clId="{D66E7EAC-AE87-492A-9EF6-5392BE37986D}" dt="2025-08-04T07:05:34.433" v="281" actId="207"/>
@@ -997,14 +876,6 @@
           <pc:docMk/>
           <pc:sldMk cId="1207225267" sldId="277"/>
         </pc:sldMkLst>
-        <pc:spChg chg="mod">
-          <ac:chgData name="Krishna Kant Dubey" userId="cd28fa1e1902c48d" providerId="LiveId" clId="{D66E7EAC-AE87-492A-9EF6-5392BE37986D}" dt="2025-08-04T07:05:34.433" v="281" actId="207"/>
-          <ac:spMkLst>
-            <pc:docMk/>
-            <pc:sldMk cId="1207225267" sldId="277"/>
-            <ac:spMk id="4" creationId="{540B9E51-C95D-F5AC-147B-B9E47E4B34F2}"/>
-          </ac:spMkLst>
-        </pc:spChg>
       </pc:sldChg>
       <pc:sldChg chg="modSp add mod">
         <pc:chgData name="Krishna Kant Dubey" userId="cd28fa1e1902c48d" providerId="LiveId" clId="{D66E7EAC-AE87-492A-9EF6-5392BE37986D}" dt="2025-08-04T07:06:08.851" v="286" actId="207"/>
@@ -1012,14 +883,6 @@
           <pc:docMk/>
           <pc:sldMk cId="4225023914" sldId="278"/>
         </pc:sldMkLst>
-        <pc:spChg chg="mod">
-          <ac:chgData name="Krishna Kant Dubey" userId="cd28fa1e1902c48d" providerId="LiveId" clId="{D66E7EAC-AE87-492A-9EF6-5392BE37986D}" dt="2025-08-04T07:06:08.851" v="286" actId="207"/>
-          <ac:spMkLst>
-            <pc:docMk/>
-            <pc:sldMk cId="4225023914" sldId="278"/>
-            <ac:spMk id="4" creationId="{594E6F41-16FA-0E1F-3A4B-A560EEE01275}"/>
-          </ac:spMkLst>
-        </pc:spChg>
       </pc:sldChg>
       <pc:sldChg chg="modSp add mod">
         <pc:chgData name="Krishna Kant Dubey" userId="cd28fa1e1902c48d" providerId="LiveId" clId="{D66E7EAC-AE87-492A-9EF6-5392BE37986D}" dt="2025-08-04T07:13:19.506" v="290" actId="207"/>
@@ -1027,14 +890,6 @@
           <pc:docMk/>
           <pc:sldMk cId="252878519" sldId="279"/>
         </pc:sldMkLst>
-        <pc:spChg chg="mod">
-          <ac:chgData name="Krishna Kant Dubey" userId="cd28fa1e1902c48d" providerId="LiveId" clId="{D66E7EAC-AE87-492A-9EF6-5392BE37986D}" dt="2025-08-04T07:13:19.506" v="290" actId="207"/>
-          <ac:spMkLst>
-            <pc:docMk/>
-            <pc:sldMk cId="252878519" sldId="279"/>
-            <ac:spMk id="4" creationId="{87793DF9-2AEF-5DAC-77F9-5B39B40E8D58}"/>
-          </ac:spMkLst>
-        </pc:spChg>
       </pc:sldChg>
       <pc:sldChg chg="modSp add del mod">
         <pc:chgData name="Krishna Kant Dubey" userId="cd28fa1e1902c48d" providerId="LiveId" clId="{D66E7EAC-AE87-492A-9EF6-5392BE37986D}" dt="2025-08-04T07:16:32.848" v="291" actId="2696"/>
@@ -1118,44 +973,12 @@
           <pc:docMk/>
           <pc:sldMk cId="2660052111" sldId="263"/>
         </pc:sldMkLst>
-        <pc:spChg chg="del">
-          <ac:chgData name="Krishna Kant Dubey" userId="cd28fa1e1902c48d" providerId="LiveId" clId="{58D190E9-1125-499B-8C31-6A847451639F}" dt="2025-08-05T11:47:55.444" v="25" actId="478"/>
-          <ac:spMkLst>
-            <pc:docMk/>
-            <pc:sldMk cId="2660052111" sldId="263"/>
-            <ac:spMk id="2" creationId="{E7A91893-D27F-ED38-FB22-8A10C5E57223}"/>
-          </ac:spMkLst>
-        </pc:spChg>
-        <pc:spChg chg="del mod">
-          <ac:chgData name="Krishna Kant Dubey" userId="cd28fa1e1902c48d" providerId="LiveId" clId="{58D190E9-1125-499B-8C31-6A847451639F}" dt="2025-08-05T11:47:51.898" v="24" actId="478"/>
-          <ac:spMkLst>
-            <pc:docMk/>
-            <pc:sldMk cId="2660052111" sldId="263"/>
-            <ac:spMk id="3" creationId="{188A89B7-335B-A082-F56B-8FD99F86CC90}"/>
-          </ac:spMkLst>
-        </pc:spChg>
         <pc:spChg chg="mod">
           <ac:chgData name="Krishna Kant Dubey" userId="cd28fa1e1902c48d" providerId="LiveId" clId="{58D190E9-1125-499B-8C31-6A847451639F}" dt="2025-08-05T11:50:30.766" v="42" actId="207"/>
           <ac:spMkLst>
             <pc:docMk/>
             <pc:sldMk cId="2660052111" sldId="263"/>
             <ac:spMk id="4" creationId="{F4AE14C3-8C25-1D3D-DCD6-A82B15F24B78}"/>
-          </ac:spMkLst>
-        </pc:spChg>
-        <pc:spChg chg="add">
-          <ac:chgData name="Krishna Kant Dubey" userId="cd28fa1e1902c48d" providerId="LiveId" clId="{58D190E9-1125-499B-8C31-6A847451639F}" dt="2025-08-05T11:48:36.168" v="27"/>
-          <ac:spMkLst>
-            <pc:docMk/>
-            <pc:sldMk cId="2660052111" sldId="263"/>
-            <ac:spMk id="5" creationId="{CBC51B8A-6908-3940-2594-266784DC1117}"/>
-          </ac:spMkLst>
-        </pc:spChg>
-        <pc:spChg chg="add del mod">
-          <ac:chgData name="Krishna Kant Dubey" userId="cd28fa1e1902c48d" providerId="LiveId" clId="{58D190E9-1125-499B-8C31-6A847451639F}" dt="2025-08-05T11:49:04.519" v="35" actId="478"/>
-          <ac:spMkLst>
-            <pc:docMk/>
-            <pc:sldMk cId="2660052111" sldId="263"/>
-            <ac:spMk id="6" creationId="{C8A4E55B-9676-3FAC-11E0-55D28EACBE72}"/>
           </ac:spMkLst>
         </pc:spChg>
         <pc:spChg chg="mod">
@@ -1196,22 +1019,6 @@
           <pc:docMk/>
           <pc:sldMk cId="399202742" sldId="265"/>
         </pc:sldMkLst>
-        <pc:spChg chg="add">
-          <ac:chgData name="Krishna Kant Dubey" userId="cd28fa1e1902c48d" providerId="LiveId" clId="{58D190E9-1125-499B-8C31-6A847451639F}" dt="2025-08-05T11:54:21.182" v="51"/>
-          <ac:spMkLst>
-            <pc:docMk/>
-            <pc:sldMk cId="399202742" sldId="265"/>
-            <ac:spMk id="2" creationId="{A8E708F5-291F-0E2A-DB9D-1825B682BA22}"/>
-          </ac:spMkLst>
-        </pc:spChg>
-        <pc:spChg chg="add">
-          <ac:chgData name="Krishna Kant Dubey" userId="cd28fa1e1902c48d" providerId="LiveId" clId="{58D190E9-1125-499B-8C31-6A847451639F}" dt="2025-08-05T11:54:53.713" v="55"/>
-          <ac:spMkLst>
-            <pc:docMk/>
-            <pc:sldMk cId="399202742" sldId="265"/>
-            <ac:spMk id="3" creationId="{AFC5CD15-7D0D-EFDD-7ECD-613623BB2A07}"/>
-          </ac:spMkLst>
-        </pc:spChg>
         <pc:spChg chg="mod">
           <ac:chgData name="Krishna Kant Dubey" userId="cd28fa1e1902c48d" providerId="LiveId" clId="{58D190E9-1125-499B-8C31-6A847451639F}" dt="2025-08-05T11:55:08.660" v="57"/>
           <ac:spMkLst>
@@ -1243,38 +1050,6 @@
           <pc:docMk/>
           <pc:sldMk cId="683079510" sldId="266"/>
         </pc:sldMkLst>
-        <pc:spChg chg="add">
-          <ac:chgData name="Krishna Kant Dubey" userId="cd28fa1e1902c48d" providerId="LiveId" clId="{58D190E9-1125-499B-8C31-6A847451639F}" dt="2025-08-05T11:57:06.352" v="61"/>
-          <ac:spMkLst>
-            <pc:docMk/>
-            <pc:sldMk cId="683079510" sldId="266"/>
-            <ac:spMk id="2" creationId="{9F3D4E7B-68EF-13FB-FFAD-8990EFCACD96}"/>
-          </ac:spMkLst>
-        </pc:spChg>
-        <pc:spChg chg="add">
-          <ac:chgData name="Krishna Kant Dubey" userId="cd28fa1e1902c48d" providerId="LiveId" clId="{58D190E9-1125-499B-8C31-6A847451639F}" dt="2025-08-05T11:57:36.030" v="66"/>
-          <ac:spMkLst>
-            <pc:docMk/>
-            <pc:sldMk cId="683079510" sldId="266"/>
-            <ac:spMk id="3" creationId="{7D59D6FF-3975-63C2-D61D-4425E7F7BF9D}"/>
-          </ac:spMkLst>
-        </pc:spChg>
-        <pc:spChg chg="mod">
-          <ac:chgData name="Krishna Kant Dubey" userId="cd28fa1e1902c48d" providerId="LiveId" clId="{58D190E9-1125-499B-8C31-6A847451639F}" dt="2025-08-05T11:59:12.252" v="79" actId="20577"/>
-          <ac:spMkLst>
-            <pc:docMk/>
-            <pc:sldMk cId="683079510" sldId="266"/>
-            <ac:spMk id="4" creationId="{BFC36A6F-8ECC-DBEC-D2B5-859C81C52A79}"/>
-          </ac:spMkLst>
-        </pc:spChg>
-        <pc:spChg chg="mod">
-          <ac:chgData name="Krishna Kant Dubey" userId="cd28fa1e1902c48d" providerId="LiveId" clId="{58D190E9-1125-499B-8C31-6A847451639F}" dt="2025-08-05T11:57:46.873" v="67"/>
-          <ac:spMkLst>
-            <pc:docMk/>
-            <pc:sldMk cId="683079510" sldId="266"/>
-            <ac:spMk id="12" creationId="{89F74BDC-5767-C934-24C4-C19928184E94}"/>
-          </ac:spMkLst>
-        </pc:spChg>
       </pc:sldChg>
       <pc:sldChg chg="modSp add mod">
         <pc:chgData name="Krishna Kant Dubey" userId="cd28fa1e1902c48d" providerId="LiveId" clId="{58D190E9-1125-499B-8C31-6A847451639F}" dt="2025-08-05T11:59:33.443" v="85" actId="20577"/>
@@ -1282,22 +1057,6 @@
           <pc:docMk/>
           <pc:sldMk cId="2907971348" sldId="267"/>
         </pc:sldMkLst>
-        <pc:spChg chg="mod">
-          <ac:chgData name="Krishna Kant Dubey" userId="cd28fa1e1902c48d" providerId="LiveId" clId="{58D190E9-1125-499B-8C31-6A847451639F}" dt="2025-08-05T11:59:33.443" v="85" actId="20577"/>
-          <ac:spMkLst>
-            <pc:docMk/>
-            <pc:sldMk cId="2907971348" sldId="267"/>
-            <ac:spMk id="4" creationId="{0D9720E8-3F22-14D0-4F29-53CDC4A32826}"/>
-          </ac:spMkLst>
-        </pc:spChg>
-        <pc:spChg chg="mod">
-          <ac:chgData name="Krishna Kant Dubey" userId="cd28fa1e1902c48d" providerId="LiveId" clId="{58D190E9-1125-499B-8C31-6A847451639F}" dt="2025-08-05T11:59:28.667" v="84" actId="207"/>
-          <ac:spMkLst>
-            <pc:docMk/>
-            <pc:sldMk cId="2907971348" sldId="267"/>
-            <ac:spMk id="12" creationId="{0EFB8716-283A-9AF7-D919-80CCB1232A3D}"/>
-          </ac:spMkLst>
-        </pc:spChg>
       </pc:sldChg>
     </pc:docChg>
   </pc:docChgLst>
@@ -1386,7 +1145,7 @@
           <a:p>
             <a:fld id="{771BC1E5-8BD3-45A8-A8D4-BE6B8D3F526F}" type="datetimeFigureOut">
               <a:rPr lang="en-IN" smtClean="0"/>
-              <a:t>05-08-2025</a:t>
+              <a:t>11-08-2025</a:t>
             </a:fld>
             <a:endParaRPr lang="en-IN"/>
           </a:p>
@@ -1803,7 +1562,7 @@
           <a:p>
             <a:fld id="{8B8265E5-5E35-4F50-869B-ACC7CF337DF9}" type="datetimeFigureOut">
               <a:rPr lang="en-IN" smtClean="0"/>
-              <a:t>05-08-2025</a:t>
+              <a:t>11-08-2025</a:t>
             </a:fld>
             <a:endParaRPr lang="en-IN"/>
           </a:p>
@@ -2003,7 +1762,7 @@
           <a:p>
             <a:fld id="{8B8265E5-5E35-4F50-869B-ACC7CF337DF9}" type="datetimeFigureOut">
               <a:rPr lang="en-IN" smtClean="0"/>
-              <a:t>05-08-2025</a:t>
+              <a:t>11-08-2025</a:t>
             </a:fld>
             <a:endParaRPr lang="en-IN"/>
           </a:p>
@@ -2213,7 +1972,7 @@
           <a:p>
             <a:fld id="{8B8265E5-5E35-4F50-869B-ACC7CF337DF9}" type="datetimeFigureOut">
               <a:rPr lang="en-IN" smtClean="0"/>
-              <a:t>05-08-2025</a:t>
+              <a:t>11-08-2025</a:t>
             </a:fld>
             <a:endParaRPr lang="en-IN"/>
           </a:p>
@@ -2413,7 +2172,7 @@
           <a:p>
             <a:fld id="{8B8265E5-5E35-4F50-869B-ACC7CF337DF9}" type="datetimeFigureOut">
               <a:rPr lang="en-IN" smtClean="0"/>
-              <a:t>05-08-2025</a:t>
+              <a:t>11-08-2025</a:t>
             </a:fld>
             <a:endParaRPr lang="en-IN"/>
           </a:p>
@@ -2689,7 +2448,7 @@
           <a:p>
             <a:fld id="{8B8265E5-5E35-4F50-869B-ACC7CF337DF9}" type="datetimeFigureOut">
               <a:rPr lang="en-IN" smtClean="0"/>
-              <a:t>05-08-2025</a:t>
+              <a:t>11-08-2025</a:t>
             </a:fld>
             <a:endParaRPr lang="en-IN"/>
           </a:p>
@@ -2957,7 +2716,7 @@
           <a:p>
             <a:fld id="{8B8265E5-5E35-4F50-869B-ACC7CF337DF9}" type="datetimeFigureOut">
               <a:rPr lang="en-IN" smtClean="0"/>
-              <a:t>05-08-2025</a:t>
+              <a:t>11-08-2025</a:t>
             </a:fld>
             <a:endParaRPr lang="en-IN"/>
           </a:p>
@@ -3372,7 +3131,7 @@
           <a:p>
             <a:fld id="{8B8265E5-5E35-4F50-869B-ACC7CF337DF9}" type="datetimeFigureOut">
               <a:rPr lang="en-IN" smtClean="0"/>
-              <a:t>05-08-2025</a:t>
+              <a:t>11-08-2025</a:t>
             </a:fld>
             <a:endParaRPr lang="en-IN"/>
           </a:p>
@@ -3514,7 +3273,7 @@
           <a:p>
             <a:fld id="{8B8265E5-5E35-4F50-869B-ACC7CF337DF9}" type="datetimeFigureOut">
               <a:rPr lang="en-IN" smtClean="0"/>
-              <a:t>05-08-2025</a:t>
+              <a:t>11-08-2025</a:t>
             </a:fld>
             <a:endParaRPr lang="en-IN"/>
           </a:p>
@@ -3627,7 +3386,7 @@
           <a:p>
             <a:fld id="{8B8265E5-5E35-4F50-869B-ACC7CF337DF9}" type="datetimeFigureOut">
               <a:rPr lang="en-IN" smtClean="0"/>
-              <a:t>05-08-2025</a:t>
+              <a:t>11-08-2025</a:t>
             </a:fld>
             <a:endParaRPr lang="en-IN"/>
           </a:p>
@@ -3940,7 +3699,7 @@
           <a:p>
             <a:fld id="{8B8265E5-5E35-4F50-869B-ACC7CF337DF9}" type="datetimeFigureOut">
               <a:rPr lang="en-IN" smtClean="0"/>
-              <a:t>05-08-2025</a:t>
+              <a:t>11-08-2025</a:t>
             </a:fld>
             <a:endParaRPr lang="en-IN"/>
           </a:p>
@@ -4229,7 +3988,7 @@
           <a:p>
             <a:fld id="{8B8265E5-5E35-4F50-869B-ACC7CF337DF9}" type="datetimeFigureOut">
               <a:rPr lang="en-IN" smtClean="0"/>
-              <a:t>05-08-2025</a:t>
+              <a:t>11-08-2025</a:t>
             </a:fld>
             <a:endParaRPr lang="en-IN"/>
           </a:p>
@@ -4472,7 +4231,7 @@
           <a:p>
             <a:fld id="{8B8265E5-5E35-4F50-869B-ACC7CF337DF9}" type="datetimeFigureOut">
               <a:rPr lang="en-IN" smtClean="0"/>
-              <a:t>05-08-2025</a:t>
+              <a:t>11-08-2025</a:t>
             </a:fld>
             <a:endParaRPr lang="en-IN"/>
           </a:p>
@@ -5021,6 +4780,41 @@
           </a:p>
         </p:txBody>
       </p:sp>
+      <p:pic>
+        <p:nvPicPr>
+          <p:cNvPr id="3" name="Content Placeholder 4">
+            <a:extLst>
+              <a:ext uri="{FF2B5EF4-FFF2-40B4-BE49-F238E27FC236}">
+                <a16:creationId xmlns:a16="http://schemas.microsoft.com/office/drawing/2014/main" id="{49D86A38-3EE8-3EE8-6AF2-C0DB66DB3443}"/>
+              </a:ext>
+            </a:extLst>
+          </p:cNvPr>
+          <p:cNvPicPr>
+            <a:picLocks noGrp="1" noChangeAspect="1"/>
+          </p:cNvPicPr>
+          <p:nvPr/>
+        </p:nvPicPr>
+        <p:blipFill>
+          <a:blip r:embed="rId4">
+            <a:extLst>
+              <a:ext uri="{28A0092B-C50C-407E-A947-70E740481C1C}">
+                <a14:useLocalDpi xmlns:a14="http://schemas.microsoft.com/office/drawing/2010/main" val="0"/>
+              </a:ext>
+            </a:extLst>
+          </a:blip>
+          <a:srcRect/>
+          <a:stretch/>
+        </p:blipFill>
+        <p:spPr>
+          <a:xfrm>
+            <a:off x="-3047" y="0"/>
+            <a:ext cx="12198095" cy="6858000"/>
+          </a:xfrm>
+          <a:prstGeom prst="rect">
+            <a:avLst/>
+          </a:prstGeom>
+        </p:spPr>
+      </p:pic>
     </p:spTree>
     <p:extLst>
       <p:ext uri="{BB962C8B-B14F-4D97-AF65-F5344CB8AC3E}">
